--- a/Lab_3/_3. Functions.pptx
+++ b/Lab_3/_3. Functions.pptx
@@ -198,7 +198,7 @@
           <a:p>
             <a:fld id="{7631E45C-F116-462B-8760-2078BF082F1A}" type="datetimeFigureOut">
               <a:rPr lang="ru-RU" smtClean="0"/>
-              <a:t>07.03.2024</a:t>
+              <a:t>13.03.2024</a:t>
             </a:fld>
             <a:endParaRPr lang="ru-RU"/>
           </a:p>
@@ -612,7 +612,7 @@
           <a:p>
             <a:fld id="{A9AD3FF1-1C77-4208-A728-6715B8BCAEC8}" type="datetime1">
               <a:rPr lang="ru-RU" smtClean="0"/>
-              <a:t>07.03.2024</a:t>
+              <a:t>13.03.2024</a:t>
             </a:fld>
             <a:endParaRPr lang="ru-RU"/>
           </a:p>
@@ -810,7 +810,7 @@
           <a:p>
             <a:fld id="{1C142B9A-2E56-4B99-A87C-1793C4E37C39}" type="datetime1">
               <a:rPr lang="ru-RU" smtClean="0"/>
-              <a:t>07.03.2024</a:t>
+              <a:t>13.03.2024</a:t>
             </a:fld>
             <a:endParaRPr lang="ru-RU"/>
           </a:p>
@@ -1018,7 +1018,7 @@
           <a:p>
             <a:fld id="{9E0ED007-B469-42B5-84D0-B2D8518EE6AF}" type="datetime1">
               <a:rPr lang="ru-RU" smtClean="0"/>
-              <a:t>07.03.2024</a:t>
+              <a:t>13.03.2024</a:t>
             </a:fld>
             <a:endParaRPr lang="ru-RU"/>
           </a:p>
@@ -1216,7 +1216,7 @@
           <a:p>
             <a:fld id="{C24A6B21-3CC2-4411-9ED7-28D4F07E6447}" type="datetime1">
               <a:rPr lang="ru-RU" smtClean="0"/>
-              <a:t>07.03.2024</a:t>
+              <a:t>13.03.2024</a:t>
             </a:fld>
             <a:endParaRPr lang="ru-RU"/>
           </a:p>
@@ -1491,7 +1491,7 @@
           <a:p>
             <a:fld id="{B56534DB-51AD-42E8-BAE2-9D524DF6969E}" type="datetime1">
               <a:rPr lang="ru-RU" smtClean="0"/>
-              <a:t>07.03.2024</a:t>
+              <a:t>13.03.2024</a:t>
             </a:fld>
             <a:endParaRPr lang="ru-RU"/>
           </a:p>
@@ -1756,7 +1756,7 @@
           <a:p>
             <a:fld id="{586E71E7-4231-4511-A286-4D8BAA3C5460}" type="datetime1">
               <a:rPr lang="ru-RU" smtClean="0"/>
-              <a:t>07.03.2024</a:t>
+              <a:t>13.03.2024</a:t>
             </a:fld>
             <a:endParaRPr lang="ru-RU"/>
           </a:p>
@@ -2168,7 +2168,7 @@
           <a:p>
             <a:fld id="{38907D2B-A495-4440-AD73-F377A1E57184}" type="datetime1">
               <a:rPr lang="ru-RU" smtClean="0"/>
-              <a:t>07.03.2024</a:t>
+              <a:t>13.03.2024</a:t>
             </a:fld>
             <a:endParaRPr lang="ru-RU"/>
           </a:p>
@@ -2309,7 +2309,7 @@
           <a:p>
             <a:fld id="{161FC52B-1D54-47AE-B2C9-575E5C19FE39}" type="datetime1">
               <a:rPr lang="ru-RU" smtClean="0"/>
-              <a:t>07.03.2024</a:t>
+              <a:t>13.03.2024</a:t>
             </a:fld>
             <a:endParaRPr lang="ru-RU"/>
           </a:p>
@@ -2422,7 +2422,7 @@
           <a:p>
             <a:fld id="{8832FC10-F7B7-4864-9033-3EC7976FDCB5}" type="datetime1">
               <a:rPr lang="ru-RU" smtClean="0"/>
-              <a:t>07.03.2024</a:t>
+              <a:t>13.03.2024</a:t>
             </a:fld>
             <a:endParaRPr lang="ru-RU"/>
           </a:p>
@@ -2733,7 +2733,7 @@
           <a:p>
             <a:fld id="{4C6FDB09-C334-42D1-A8CC-92BA43584AF5}" type="datetime1">
               <a:rPr lang="ru-RU" smtClean="0"/>
-              <a:t>07.03.2024</a:t>
+              <a:t>13.03.2024</a:t>
             </a:fld>
             <a:endParaRPr lang="ru-RU"/>
           </a:p>
@@ -3021,7 +3021,7 @@
           <a:p>
             <a:fld id="{5DA449B0-4AC4-4D56-AD1E-2E60E920D68F}" type="datetime1">
               <a:rPr lang="ru-RU" smtClean="0"/>
-              <a:t>07.03.2024</a:t>
+              <a:t>13.03.2024</a:t>
             </a:fld>
             <a:endParaRPr lang="ru-RU"/>
           </a:p>
@@ -3262,7 +3262,7 @@
           <a:p>
             <a:fld id="{6E39FA31-E67D-4DB0-8FD3-FD47DE2B0D1A}" type="datetime1">
               <a:rPr lang="ru-RU" smtClean="0"/>
-              <a:t>07.03.2024</a:t>
+              <a:t>13.03.2024</a:t>
             </a:fld>
             <a:endParaRPr lang="ru-RU"/>
           </a:p>
@@ -4189,13 +4189,13 @@
                         <a:defRPr/>
                       </a:pPr>
                       <a:r>
-                        <a:rPr lang="ru-RU" sz="1200" dirty="0">
+                        <a:rPr lang="ru-RU" sz="1200">
                           <a:effectLst/>
                         </a:rPr>
                         <a:t>Чтение/запись файлов</a:t>
                       </a:r>
                       <a:r>
-                        <a:rPr lang="en-US" sz="1200" dirty="0">
+                        <a:rPr lang="en-US" sz="1200">
                           <a:effectLst/>
                         </a:rPr>
                         <a:t>.</a:t>
@@ -4871,7 +4871,7 @@
                         <a:defRPr/>
                       </a:pPr>
                       <a:r>
-                        <a:rPr lang="ru-RU" sz="1200" dirty="0">
+                        <a:rPr lang="ru-RU" sz="1200">
                           <a:effectLst/>
                         </a:rPr>
                         <a:t>Списки.</a:t>
